--- a/Multi_Agent/PPTX/Counterfactual multi-agent policy gradients-AAAI2018.pptx
+++ b/Multi_Agent/PPTX/Counterfactual multi-agent policy gradients-AAAI2018.pptx
@@ -6508,7 +6508,7 @@
         </p:blipFill>
         <p:spPr>
           <a:xfrm>
-            <a:off x="103199" y="2420888"/>
+            <a:off x="103199" y="2131504"/>
             <a:ext cx="8937602" cy="3285545"/>
           </a:xfrm>
           <a:prstGeom prst="rect">
@@ -6516,6 +6516,124 @@
           </a:prstGeom>
         </p:spPr>
       </p:pic>
+      <p:pic>
+        <p:nvPicPr>
+          <p:cNvPr id="6" name="그림 5">
+            <a:extLst>
+              <a:ext uri="{FF2B5EF4-FFF2-40B4-BE49-F238E27FC236}">
+                <a16:creationId xmlns:a16="http://schemas.microsoft.com/office/drawing/2014/main" id="{88316EBD-1739-43F7-BEEA-C8B496FD2954}"/>
+              </a:ext>
+            </a:extLst>
+          </p:cNvPr>
+          <p:cNvPicPr>
+            <a:picLocks noChangeAspect="1"/>
+          </p:cNvPicPr>
+          <p:nvPr/>
+        </p:nvPicPr>
+        <p:blipFill>
+          <a:blip r:embed="rId4"/>
+          <a:stretch>
+            <a:fillRect/>
+          </a:stretch>
+        </p:blipFill>
+        <p:spPr>
+          <a:xfrm>
+            <a:off x="1835696" y="5957501"/>
+            <a:ext cx="4307954" cy="346827"/>
+          </a:xfrm>
+          <a:prstGeom prst="rect">
+            <a:avLst/>
+          </a:prstGeom>
+        </p:spPr>
+      </p:pic>
+      <p:cxnSp>
+        <p:nvCxnSpPr>
+          <p:cNvPr id="15" name="직선 연결선 14">
+            <a:extLst>
+              <a:ext uri="{FF2B5EF4-FFF2-40B4-BE49-F238E27FC236}">
+                <a16:creationId xmlns:a16="http://schemas.microsoft.com/office/drawing/2014/main" id="{7FB84DE2-6502-4C6E-9C4E-55FAE93F96A2}"/>
+              </a:ext>
+            </a:extLst>
+          </p:cNvPr>
+          <p:cNvCxnSpPr>
+            <a:cxnSpLocks/>
+            <a:stCxn id="6" idx="0"/>
+          </p:cNvCxnSpPr>
+          <p:nvPr/>
+        </p:nvCxnSpPr>
+        <p:spPr>
+          <a:xfrm flipV="1">
+            <a:off x="3989673" y="3284984"/>
+            <a:ext cx="0" cy="2672517"/>
+          </a:xfrm>
+          <a:prstGeom prst="line">
+            <a:avLst/>
+          </a:prstGeom>
+          <a:ln w="19050">
+            <a:solidFill>
+              <a:schemeClr val="accent5"/>
+            </a:solidFill>
+          </a:ln>
+        </p:spPr>
+        <p:style>
+          <a:lnRef idx="1">
+            <a:schemeClr val="accent1"/>
+          </a:lnRef>
+          <a:fillRef idx="0">
+            <a:schemeClr val="accent1"/>
+          </a:fillRef>
+          <a:effectRef idx="0">
+            <a:schemeClr val="accent1"/>
+          </a:effectRef>
+          <a:fontRef idx="minor">
+            <a:schemeClr val="tx1"/>
+          </a:fontRef>
+        </p:style>
+      </p:cxnSp>
+      <p:cxnSp>
+        <p:nvCxnSpPr>
+          <p:cNvPr id="17" name="직선 화살표 연결선 16">
+            <a:extLst>
+              <a:ext uri="{FF2B5EF4-FFF2-40B4-BE49-F238E27FC236}">
+                <a16:creationId xmlns:a16="http://schemas.microsoft.com/office/drawing/2014/main" id="{3AE7231A-4DA6-4930-9618-B01CCEE666E5}"/>
+              </a:ext>
+            </a:extLst>
+          </p:cNvPr>
+          <p:cNvCxnSpPr>
+            <a:cxnSpLocks/>
+          </p:cNvCxnSpPr>
+          <p:nvPr/>
+        </p:nvCxnSpPr>
+        <p:spPr>
+          <a:xfrm>
+            <a:off x="3989673" y="3284984"/>
+            <a:ext cx="438311" cy="0"/>
+          </a:xfrm>
+          <a:prstGeom prst="straightConnector1">
+            <a:avLst/>
+          </a:prstGeom>
+          <a:ln w="19050">
+            <a:solidFill>
+              <a:schemeClr val="accent5"/>
+            </a:solidFill>
+            <a:tailEnd type="triangle"/>
+          </a:ln>
+        </p:spPr>
+        <p:style>
+          <a:lnRef idx="1">
+            <a:schemeClr val="accent1"/>
+          </a:lnRef>
+          <a:fillRef idx="0">
+            <a:schemeClr val="accent1"/>
+          </a:fillRef>
+          <a:effectRef idx="0">
+            <a:schemeClr val="accent1"/>
+          </a:effectRef>
+          <a:fontRef idx="minor">
+            <a:schemeClr val="tx1"/>
+          </a:fontRef>
+        </p:style>
+      </p:cxnSp>
     </p:spTree>
     <p:extLst>
       <p:ext uri="{BB962C8B-B14F-4D97-AF65-F5344CB8AC3E}">
@@ -8369,33 +8487,51 @@
             </a:r>
           </a:p>
           <a:p>
-            <a:pPr lvl="3">
+            <a:pPr marL="457200" lvl="1" indent="0">
               <a:lnSpc>
                 <a:spcPct val="150000"/>
               </a:lnSpc>
+              <a:buNone/>
             </a:pPr>
             <a:endParaRPr lang="en-US" altLang="ko-KR" dirty="0"/>
           </a:p>
           <a:p>
-            <a:pPr lvl="1">
+            <a:pPr marL="457200" lvl="1" indent="0">
               <a:lnSpc>
                 <a:spcPct val="150000"/>
               </a:lnSpc>
+              <a:buNone/>
             </a:pPr>
-            <a:r>
-              <a:rPr lang="ko-KR" altLang="en-US" sz="2000" dirty="0">
+            <a:endParaRPr lang="en-US" altLang="ko-KR" sz="2000" dirty="0">
+              <a:latin typeface="+mj-ea"/>
+              <a:ea typeface="+mj-ea"/>
+            </a:endParaRPr>
+          </a:p>
+          <a:p>
+            <a:pPr marL="457200" lvl="1" indent="0">
+              <a:lnSpc>
+                <a:spcPct val="150000"/>
+              </a:lnSpc>
+              <a:buNone/>
+            </a:pPr>
+            <a:r>
+              <a:rPr lang="ko-KR" altLang="en-US" b="1" dirty="0">
                 <a:latin typeface="+mj-ea"/>
                 <a:ea typeface="+mj-ea"/>
               </a:rPr>
               <a:t>서로 상호작용하는 부분이 부재로 인해 큰 효과는 없다</a:t>
             </a:r>
             <a:r>
-              <a:rPr lang="en-US" altLang="ko-KR" sz="2000" dirty="0">
+              <a:rPr lang="en-US" altLang="ko-KR" b="1" dirty="0">
                 <a:latin typeface="+mj-ea"/>
                 <a:ea typeface="+mj-ea"/>
               </a:rPr>
               <a:t>.</a:t>
             </a:r>
+            <a:endParaRPr lang="en-US" altLang="ko-KR" sz="2000" b="1" dirty="0">
+              <a:latin typeface="+mj-ea"/>
+              <a:ea typeface="+mj-ea"/>
+            </a:endParaRPr>
           </a:p>
         </p:txBody>
       </p:sp>
@@ -8798,7 +8934,7 @@
         </p:blipFill>
         <p:spPr>
           <a:xfrm>
-            <a:off x="6014239" y="1675013"/>
+            <a:off x="5868144" y="1600200"/>
             <a:ext cx="3131840" cy="2148287"/>
           </a:xfrm>
           <a:prstGeom prst="rect">
@@ -9274,15 +9410,6 @@
               </a:lnSpc>
             </a:pPr>
             <a:endParaRPr lang="en-US" altLang="ko-KR" sz="1600" dirty="0"/>
-          </a:p>
-          <a:p>
-            <a:pPr marL="0" indent="0">
-              <a:lnSpc>
-                <a:spcPct val="150000"/>
-              </a:lnSpc>
-              <a:buNone/>
-            </a:pPr>
-            <a:endParaRPr lang="en-US" altLang="ko-KR" sz="2400" b="1" dirty="0"/>
           </a:p>
           <a:p>
             <a:pPr marL="0" indent="0">
